--- a/Mysql 5.7主从搭建及读写分离应用示例.pptx
+++ b/Mysql 5.7主从搭建及读写分离应用示例.pptx
@@ -19,11 +19,13 @@
     <p:sldId id="266" r:id="rId13"/>
     <p:sldId id="267" r:id="rId14"/>
     <p:sldId id="268" r:id="rId15"/>
-    <p:sldId id="269" r:id="rId16"/>
-    <p:sldId id="270" r:id="rId17"/>
-    <p:sldId id="271" r:id="rId18"/>
-    <p:sldId id="272" r:id="rId19"/>
-    <p:sldId id="274" r:id="rId20"/>
+    <p:sldId id="276" r:id="rId16"/>
+    <p:sldId id="269" r:id="rId17"/>
+    <p:sldId id="270" r:id="rId18"/>
+    <p:sldId id="271" r:id="rId19"/>
+    <p:sldId id="272" r:id="rId20"/>
+    <p:sldId id="275" r:id="rId21"/>
+    <p:sldId id="274" r:id="rId22"/>
   </p:sldIdLst>
   <p:sldSz cx="12192000" cy="6858000"/>
   <p:notesSz cx="6858000" cy="9144000"/>
@@ -261,7 +263,7 @@
           <a:p>
             <a:fld id="{AC3ED8AC-5D37-4A83-885F-E3236DA82655}" type="datetimeFigureOut">
               <a:rPr lang="zh-CN" altLang="en-US" smtClean="0"/>
-              <a:t>2018/1/19 Friday</a:t>
+              <a:t>2019/1/9 Wednesday</a:t>
             </a:fld>
             <a:endParaRPr lang="zh-CN" altLang="en-US"/>
           </a:p>
@@ -431,7 +433,7 @@
           <a:p>
             <a:fld id="{AC3ED8AC-5D37-4A83-885F-E3236DA82655}" type="datetimeFigureOut">
               <a:rPr lang="zh-CN" altLang="en-US" smtClean="0"/>
-              <a:t>2018/1/19 Friday</a:t>
+              <a:t>2019/1/9 Wednesday</a:t>
             </a:fld>
             <a:endParaRPr lang="zh-CN" altLang="en-US"/>
           </a:p>
@@ -611,7 +613,7 @@
           <a:p>
             <a:fld id="{AC3ED8AC-5D37-4A83-885F-E3236DA82655}" type="datetimeFigureOut">
               <a:rPr lang="zh-CN" altLang="en-US" smtClean="0"/>
-              <a:t>2018/1/19 Friday</a:t>
+              <a:t>2019/1/9 Wednesday</a:t>
             </a:fld>
             <a:endParaRPr lang="zh-CN" altLang="en-US"/>
           </a:p>
@@ -781,7 +783,7 @@
           <a:p>
             <a:fld id="{AC3ED8AC-5D37-4A83-885F-E3236DA82655}" type="datetimeFigureOut">
               <a:rPr lang="zh-CN" altLang="en-US" smtClean="0"/>
-              <a:t>2018/1/19 Friday</a:t>
+              <a:t>2019/1/9 Wednesday</a:t>
             </a:fld>
             <a:endParaRPr lang="zh-CN" altLang="en-US"/>
           </a:p>
@@ -1027,7 +1029,7 @@
           <a:p>
             <a:fld id="{AC3ED8AC-5D37-4A83-885F-E3236DA82655}" type="datetimeFigureOut">
               <a:rPr lang="zh-CN" altLang="en-US" smtClean="0"/>
-              <a:t>2018/1/19 Friday</a:t>
+              <a:t>2019/1/9 Wednesday</a:t>
             </a:fld>
             <a:endParaRPr lang="zh-CN" altLang="en-US"/>
           </a:p>
@@ -1259,7 +1261,7 @@
           <a:p>
             <a:fld id="{AC3ED8AC-5D37-4A83-885F-E3236DA82655}" type="datetimeFigureOut">
               <a:rPr lang="zh-CN" altLang="en-US" smtClean="0"/>
-              <a:t>2018/1/19 Friday</a:t>
+              <a:t>2019/1/9 Wednesday</a:t>
             </a:fld>
             <a:endParaRPr lang="zh-CN" altLang="en-US"/>
           </a:p>
@@ -1626,7 +1628,7 @@
           <a:p>
             <a:fld id="{AC3ED8AC-5D37-4A83-885F-E3236DA82655}" type="datetimeFigureOut">
               <a:rPr lang="zh-CN" altLang="en-US" smtClean="0"/>
-              <a:t>2018/1/19 Friday</a:t>
+              <a:t>2019/1/9 Wednesday</a:t>
             </a:fld>
             <a:endParaRPr lang="zh-CN" altLang="en-US"/>
           </a:p>
@@ -1744,7 +1746,7 @@
           <a:p>
             <a:fld id="{AC3ED8AC-5D37-4A83-885F-E3236DA82655}" type="datetimeFigureOut">
               <a:rPr lang="zh-CN" altLang="en-US" smtClean="0"/>
-              <a:t>2018/1/19 Friday</a:t>
+              <a:t>2019/1/9 Wednesday</a:t>
             </a:fld>
             <a:endParaRPr lang="zh-CN" altLang="en-US"/>
           </a:p>
@@ -1839,7 +1841,7 @@
           <a:p>
             <a:fld id="{AC3ED8AC-5D37-4A83-885F-E3236DA82655}" type="datetimeFigureOut">
               <a:rPr lang="zh-CN" altLang="en-US" smtClean="0"/>
-              <a:t>2018/1/19 Friday</a:t>
+              <a:t>2019/1/9 Wednesday</a:t>
             </a:fld>
             <a:endParaRPr lang="zh-CN" altLang="en-US"/>
           </a:p>
@@ -2116,7 +2118,7 @@
           <a:p>
             <a:fld id="{AC3ED8AC-5D37-4A83-885F-E3236DA82655}" type="datetimeFigureOut">
               <a:rPr lang="zh-CN" altLang="en-US" smtClean="0"/>
-              <a:t>2018/1/19 Friday</a:t>
+              <a:t>2019/1/9 Wednesday</a:t>
             </a:fld>
             <a:endParaRPr lang="zh-CN" altLang="en-US"/>
           </a:p>
@@ -2369,7 +2371,7 @@
           <a:p>
             <a:fld id="{AC3ED8AC-5D37-4A83-885F-E3236DA82655}" type="datetimeFigureOut">
               <a:rPr lang="zh-CN" altLang="en-US" smtClean="0"/>
-              <a:t>2018/1/19 Friday</a:t>
+              <a:t>2019/1/9 Wednesday</a:t>
             </a:fld>
             <a:endParaRPr lang="zh-CN" altLang="en-US"/>
           </a:p>
@@ -2582,7 +2584,7 @@
           <a:p>
             <a:fld id="{AC3ED8AC-5D37-4A83-885F-E3236DA82655}" type="datetimeFigureOut">
               <a:rPr lang="zh-CN" altLang="en-US" smtClean="0"/>
-              <a:t>2018/1/19 Friday</a:t>
+              <a:t>2019/1/9 Wednesday</a:t>
             </a:fld>
             <a:endParaRPr lang="zh-CN" altLang="en-US"/>
           </a:p>
@@ -3145,7 +3147,9 @@
           </a:xfrm>
         </p:spPr>
         <p:txBody>
-          <a:bodyPr/>
+          <a:bodyPr>
+            <a:normAutofit fontScale="92500" lnSpcReduction="10000"/>
+          </a:bodyPr>
           <a:lstStyle/>
           <a:p>
             <a:pPr marL="0" indent="0">
@@ -3185,6 +3189,42 @@
               <a:rPr lang="en-US" altLang="zh-CN" dirty="0" smtClean="0"/>
               <a:t>p</a:t>
             </a:r>
+          </a:p>
+          <a:p>
+            <a:pPr marL="0" indent="0">
+              <a:buNone/>
+            </a:pPr>
+            <a:r>
+              <a:rPr lang="zh-CN" altLang="en-US" dirty="0" smtClean="0"/>
+              <a:t>或者</a:t>
+            </a:r>
+            <a:endParaRPr lang="en-US" altLang="zh-CN" dirty="0" smtClean="0"/>
+          </a:p>
+          <a:p>
+            <a:pPr marL="0" indent="0">
+              <a:buNone/>
+            </a:pPr>
+            <a:r>
+              <a:rPr lang="en-US" altLang="zh-CN" dirty="0"/>
+              <a:t>bin/</a:t>
+            </a:r>
+            <a:r>
+              <a:rPr lang="en-US" altLang="zh-CN" dirty="0" err="1"/>
+              <a:t>mysql</a:t>
+            </a:r>
+            <a:r>
+              <a:rPr lang="en-US" altLang="zh-CN" dirty="0"/>
+              <a:t> -</a:t>
+            </a:r>
+            <a:r>
+              <a:rPr lang="en-US" altLang="zh-CN" dirty="0" err="1"/>
+              <a:t>uroot</a:t>
+            </a:r>
+            <a:r>
+              <a:rPr lang="en-US" altLang="zh-CN" dirty="0"/>
+              <a:t> -p123456</a:t>
+            </a:r>
+            <a:endParaRPr lang="en-US" altLang="zh-CN" dirty="0" smtClean="0"/>
           </a:p>
           <a:p>
             <a:pPr marL="0" indent="0">
@@ -3422,19 +3462,7 @@
             </a:r>
             <a:r>
               <a:rPr lang="en-US" altLang="zh-CN" dirty="0" smtClean="0"/>
-              <a:t>='123456',master_log_file='mysql-bin.000001',</a:t>
-            </a:r>
-            <a:r>
-              <a:rPr lang="en-US" altLang="zh-CN" dirty="0" smtClean="0"/>
-              <a:t>master_log_pos=154; </a:t>
-            </a:r>
-            <a:r>
-              <a:rPr lang="en-US" altLang="zh-CN" dirty="0" smtClean="0"/>
-              <a:t>start slave</a:t>
-            </a:r>
-            <a:r>
-              <a:rPr lang="en-US" altLang="zh-CN" dirty="0" smtClean="0"/>
-              <a:t>;</a:t>
+              <a:t>='123456',master_log_file='mysql-bin.000001',master_log_pos=154; start slave;</a:t>
             </a:r>
           </a:p>
           <a:p>
@@ -3994,6 +4022,160 @@
 </file>
 
 <file path=ppt/slides/slide15.xml><?xml version="1.0" encoding="utf-8"?>
+<p:sld xmlns:a="http://schemas.openxmlformats.org/drawingml/2006/main" xmlns:r="http://schemas.openxmlformats.org/officeDocument/2006/relationships" xmlns:p="http://schemas.openxmlformats.org/presentationml/2006/main">
+  <p:cSld>
+    <p:spTree>
+      <p:nvGrpSpPr>
+        <p:cNvPr id="1" name=""/>
+        <p:cNvGrpSpPr/>
+        <p:nvPr/>
+      </p:nvGrpSpPr>
+      <p:grpSpPr>
+        <a:xfrm>
+          <a:off x="0" y="0"/>
+          <a:ext cx="0" cy="0"/>
+          <a:chOff x="0" y="0"/>
+          <a:chExt cx="0" cy="0"/>
+        </a:xfrm>
+      </p:grpSpPr>
+      <p:sp>
+        <p:nvSpPr>
+          <p:cNvPr id="2" name="标题 1"/>
+          <p:cNvSpPr>
+            <a:spLocks noGrp="1"/>
+          </p:cNvSpPr>
+          <p:nvPr>
+            <p:ph type="title"/>
+          </p:nvPr>
+        </p:nvSpPr>
+        <p:spPr/>
+        <p:txBody>
+          <a:bodyPr/>
+          <a:lstStyle/>
+          <a:p>
+            <a:endParaRPr lang="zh-CN" altLang="en-US"/>
+          </a:p>
+        </p:txBody>
+      </p:sp>
+      <p:sp>
+        <p:nvSpPr>
+          <p:cNvPr id="3" name="内容占位符 2"/>
+          <p:cNvSpPr>
+            <a:spLocks noGrp="1"/>
+          </p:cNvSpPr>
+          <p:nvPr>
+            <p:ph idx="1"/>
+          </p:nvPr>
+        </p:nvSpPr>
+        <p:spPr/>
+        <p:txBody>
+          <a:bodyPr/>
+          <a:lstStyle/>
+          <a:p>
+            <a:pPr marL="0" indent="0">
+              <a:buNone/>
+            </a:pPr>
+            <a:r>
+              <a:rPr lang="zh-CN" altLang="en-US" dirty="0" smtClean="0"/>
+              <a:t>从库开启日志</a:t>
+            </a:r>
+            <a:r>
+              <a:rPr lang="en-US" altLang="zh-CN" dirty="0" err="1" smtClean="0"/>
+              <a:t>my.cnf</a:t>
+            </a:r>
+            <a:endParaRPr lang="en-US" altLang="zh-CN" dirty="0" smtClean="0"/>
+          </a:p>
+          <a:p>
+            <a:pPr marL="0" indent="0">
+              <a:buNone/>
+            </a:pPr>
+            <a:endParaRPr lang="en-US" altLang="zh-CN" dirty="0" smtClean="0"/>
+          </a:p>
+          <a:p>
+            <a:pPr marL="0" indent="0">
+              <a:buNone/>
+            </a:pPr>
+            <a:r>
+              <a:rPr lang="en-US" altLang="zh-CN" dirty="0" err="1" smtClean="0">
+                <a:solidFill>
+                  <a:srgbClr val="FF0000"/>
+                </a:solidFill>
+              </a:rPr>
+              <a:t>log_slave_updates</a:t>
+            </a:r>
+            <a:r>
+              <a:rPr lang="en-US" altLang="zh-CN" dirty="0" smtClean="0">
+                <a:solidFill>
+                  <a:srgbClr val="FF0000"/>
+                </a:solidFill>
+              </a:rPr>
+              <a:t> </a:t>
+            </a:r>
+            <a:r>
+              <a:rPr lang="en-US" altLang="zh-CN" dirty="0">
+                <a:solidFill>
+                  <a:srgbClr val="FF0000"/>
+                </a:solidFill>
+              </a:rPr>
+              <a:t>= 1</a:t>
+            </a:r>
+          </a:p>
+          <a:p>
+            <a:pPr marL="0" indent="0">
+              <a:buNone/>
+            </a:pPr>
+            <a:r>
+              <a:rPr lang="en-US" altLang="zh-CN" dirty="0"/>
+              <a:t>log-bin=</a:t>
+            </a:r>
+            <a:r>
+              <a:rPr lang="en-US" altLang="zh-CN" dirty="0" err="1"/>
+              <a:t>mysql</a:t>
+            </a:r>
+            <a:r>
+              <a:rPr lang="en-US" altLang="zh-CN" dirty="0"/>
+              <a:t>-bin</a:t>
+            </a:r>
+          </a:p>
+          <a:p>
+            <a:pPr marL="0" indent="0">
+              <a:buNone/>
+            </a:pPr>
+            <a:r>
+              <a:rPr lang="en-US" altLang="zh-CN" dirty="0" err="1"/>
+              <a:t>binlog</a:t>
+            </a:r>
+            <a:r>
+              <a:rPr lang="en-US" altLang="zh-CN" dirty="0"/>
+              <a:t>-format=ROW</a:t>
+            </a:r>
+          </a:p>
+          <a:p>
+            <a:pPr marL="0" indent="0">
+              <a:buNone/>
+            </a:pPr>
+            <a:r>
+              <a:rPr lang="en-US" altLang="zh-CN" dirty="0"/>
+              <a:t>server-id=215</a:t>
+            </a:r>
+            <a:endParaRPr lang="zh-CN" altLang="en-US" dirty="0"/>
+          </a:p>
+        </p:txBody>
+      </p:sp>
+    </p:spTree>
+    <p:extLst>
+      <p:ext uri="{BB962C8B-B14F-4D97-AF65-F5344CB8AC3E}">
+        <p14:creationId xmlns:p14="http://schemas.microsoft.com/office/powerpoint/2010/main" val="872614536"/>
+      </p:ext>
+    </p:extLst>
+  </p:cSld>
+  <p:clrMapOvr>
+    <a:masterClrMapping/>
+  </p:clrMapOvr>
+</p:sld>
+</file>
+
+<file path=ppt/slides/slide16.xml><?xml version="1.0" encoding="utf-8"?>
 <p:sld xmlns:a="http://schemas.openxmlformats.org/drawingml/2006/main" xmlns:r="http://schemas.openxmlformats.org/officeDocument/2006/relationships" xmlns:p="http://schemas.openxmlformats.org/presentationml/2006/main">
   <p:cSld>
     <p:spTree>
@@ -4273,7 +4455,7 @@
 </p:sld>
 </file>
 
-<file path=ppt/slides/slide16.xml><?xml version="1.0" encoding="utf-8"?>
+<file path=ppt/slides/slide17.xml><?xml version="1.0" encoding="utf-8"?>
 <p:sld xmlns:a="http://schemas.openxmlformats.org/drawingml/2006/main" xmlns:r="http://schemas.openxmlformats.org/officeDocument/2006/relationships" xmlns:p="http://schemas.openxmlformats.org/presentationml/2006/main">
   <p:cSld>
     <p:spTree>
@@ -4485,247 +4667,6 @@
 </p:sld>
 </file>
 
-<file path=ppt/slides/slide17.xml><?xml version="1.0" encoding="utf-8"?>
-<p:sld xmlns:a="http://schemas.openxmlformats.org/drawingml/2006/main" xmlns:r="http://schemas.openxmlformats.org/officeDocument/2006/relationships" xmlns:p="http://schemas.openxmlformats.org/presentationml/2006/main">
-  <p:cSld>
-    <p:spTree>
-      <p:nvGrpSpPr>
-        <p:cNvPr id="1" name=""/>
-        <p:cNvGrpSpPr/>
-        <p:nvPr/>
-      </p:nvGrpSpPr>
-      <p:grpSpPr>
-        <a:xfrm>
-          <a:off x="0" y="0"/>
-          <a:ext cx="0" cy="0"/>
-          <a:chOff x="0" y="0"/>
-          <a:chExt cx="0" cy="0"/>
-        </a:xfrm>
-      </p:grpSpPr>
-      <p:sp>
-        <p:nvSpPr>
-          <p:cNvPr id="2" name="标题 1"/>
-          <p:cNvSpPr>
-            <a:spLocks noGrp="1"/>
-          </p:cNvSpPr>
-          <p:nvPr>
-            <p:ph type="title"/>
-          </p:nvPr>
-        </p:nvSpPr>
-        <p:spPr/>
-        <p:txBody>
-          <a:bodyPr/>
-          <a:lstStyle/>
-          <a:p>
-            <a:r>
-              <a:rPr lang="zh-CN" altLang="en-US" dirty="0" smtClean="0"/>
-              <a:t>读写分离</a:t>
-            </a:r>
-            <a:endParaRPr lang="zh-CN" altLang="en-US" dirty="0"/>
-          </a:p>
-        </p:txBody>
-      </p:sp>
-      <p:sp>
-        <p:nvSpPr>
-          <p:cNvPr id="3" name="内容占位符 2"/>
-          <p:cNvSpPr>
-            <a:spLocks noGrp="1"/>
-          </p:cNvSpPr>
-          <p:nvPr>
-            <p:ph idx="1"/>
-          </p:nvPr>
-        </p:nvSpPr>
-        <p:spPr/>
-        <p:txBody>
-          <a:bodyPr>
-            <a:normAutofit fontScale="62500" lnSpcReduction="20000"/>
-          </a:bodyPr>
-          <a:lstStyle/>
-          <a:p>
-            <a:pPr marL="0" indent="0">
-              <a:buNone/>
-            </a:pPr>
-            <a:r>
-              <a:rPr lang="zh-CN" altLang="en-US" dirty="0" smtClean="0"/>
-              <a:t>创建</a:t>
-            </a:r>
-            <a:r>
-              <a:rPr lang="en-US" altLang="zh-CN" dirty="0" smtClean="0"/>
-              <a:t>test</a:t>
-            </a:r>
-            <a:r>
-              <a:rPr lang="zh-CN" altLang="en-US" dirty="0" smtClean="0"/>
-              <a:t>用户</a:t>
-            </a:r>
-            <a:endParaRPr lang="en-US" altLang="zh-CN" dirty="0" smtClean="0"/>
-          </a:p>
-          <a:p>
-            <a:pPr marL="0" indent="0">
-              <a:buNone/>
-            </a:pPr>
-            <a:r>
-              <a:rPr lang="en-US" altLang="zh-CN" dirty="0"/>
-              <a:t>CREATE USER 'test'@'%' IDENTIFIED BY '1123456'; </a:t>
-            </a:r>
-          </a:p>
-          <a:p>
-            <a:pPr marL="0" indent="0">
-              <a:buNone/>
-            </a:pPr>
-            <a:r>
-              <a:rPr lang="en-US" altLang="zh-CN" dirty="0"/>
-              <a:t>grant all privileges on product.* to 'test</a:t>
-            </a:r>
-            <a:r>
-              <a:rPr lang="en-US" altLang="zh-CN" dirty="0" smtClean="0"/>
-              <a:t>'@'%';</a:t>
-            </a:r>
-          </a:p>
-          <a:p>
-            <a:pPr marL="0" indent="0">
-              <a:buNone/>
-            </a:pPr>
-            <a:endParaRPr lang="en-US" altLang="zh-CN" dirty="0" smtClean="0"/>
-          </a:p>
-          <a:p>
-            <a:pPr marL="0" indent="0">
-              <a:buNone/>
-            </a:pPr>
-            <a:r>
-              <a:rPr lang="zh-CN" altLang="en-US" dirty="0" smtClean="0"/>
-              <a:t>如果报错含有如下错误：</a:t>
-            </a:r>
-            <a:endParaRPr lang="en-US" altLang="zh-CN" dirty="0" smtClean="0"/>
-          </a:p>
-          <a:p>
-            <a:pPr marL="0" indent="0">
-              <a:buNone/>
-            </a:pPr>
-            <a:r>
-              <a:rPr lang="en-US" altLang="zh-CN" dirty="0"/>
-              <a:t>this is incompatible with </a:t>
-            </a:r>
-            <a:r>
-              <a:rPr lang="en-US" altLang="zh-CN" dirty="0" err="1" smtClean="0"/>
-              <a:t>sql_mode</a:t>
-            </a:r>
-            <a:r>
-              <a:rPr lang="en-US" altLang="zh-CN" dirty="0" smtClean="0"/>
-              <a:t>=</a:t>
-            </a:r>
-            <a:r>
-              <a:rPr lang="en-US" altLang="zh-CN" dirty="0" err="1" smtClean="0"/>
-              <a:t>only_full_group_by</a:t>
-            </a:r>
-            <a:endParaRPr lang="en-US" altLang="zh-CN" dirty="0" smtClean="0"/>
-          </a:p>
-          <a:p>
-            <a:pPr marL="0" indent="0">
-              <a:buNone/>
-            </a:pPr>
-            <a:r>
-              <a:rPr lang="zh-CN" altLang="en-US" dirty="0" smtClean="0"/>
-              <a:t>解决办法：</a:t>
-            </a:r>
-            <a:endParaRPr lang="en-US" altLang="zh-CN" dirty="0"/>
-          </a:p>
-          <a:p>
-            <a:pPr marL="0" indent="0">
-              <a:buNone/>
-            </a:pPr>
-            <a:r>
-              <a:rPr lang="en-US" altLang="zh-CN" dirty="0" smtClean="0"/>
-              <a:t>vi /</a:t>
-            </a:r>
-            <a:r>
-              <a:rPr lang="en-US" altLang="zh-CN" dirty="0" err="1" smtClean="0"/>
-              <a:t>etc</a:t>
-            </a:r>
-            <a:r>
-              <a:rPr lang="en-US" altLang="zh-CN" dirty="0" smtClean="0"/>
-              <a:t>/</a:t>
-            </a:r>
-            <a:r>
-              <a:rPr lang="en-US" altLang="zh-CN" dirty="0" err="1" smtClean="0"/>
-              <a:t>my.cnf</a:t>
-            </a:r>
-            <a:endParaRPr lang="en-US" altLang="zh-CN" dirty="0" smtClean="0"/>
-          </a:p>
-          <a:p>
-            <a:pPr marL="0" indent="0">
-              <a:buNone/>
-            </a:pPr>
-            <a:r>
-              <a:rPr lang="en-US" altLang="zh-CN" dirty="0" err="1" smtClean="0"/>
-              <a:t>sql_mode</a:t>
-            </a:r>
-            <a:r>
-              <a:rPr lang="en-US" altLang="zh-CN" dirty="0" smtClean="0"/>
-              <a:t>=STRICT_TRANS_TABLES,NO_ZERO_IN_DATE,NO_ZERO_DATE,ERROR_FOR_DIVISION_BY_ZERO,NO_AUTO_CREATE_USER,NO_ENGINE_SUBSTITUTION</a:t>
-            </a:r>
-          </a:p>
-          <a:p>
-            <a:pPr marL="0" indent="0">
-              <a:buNone/>
-            </a:pPr>
-            <a:endParaRPr lang="en-US" altLang="zh-CN" dirty="0"/>
-          </a:p>
-          <a:p>
-            <a:pPr marL="0" indent="0">
-              <a:buNone/>
-            </a:pPr>
-            <a:r>
-              <a:rPr lang="zh-CN" altLang="en-US" dirty="0" smtClean="0"/>
-              <a:t>如果发现执行不了报错：</a:t>
-            </a:r>
-            <a:endParaRPr lang="en-US" altLang="zh-CN" dirty="0" smtClean="0"/>
-          </a:p>
-          <a:p>
-            <a:pPr marL="0" indent="0">
-              <a:buNone/>
-            </a:pPr>
-            <a:r>
-              <a:rPr lang="en-US" altLang="zh-CN" dirty="0"/>
-              <a:t>Access denied for user 'root'@'%' to database</a:t>
-            </a:r>
-          </a:p>
-          <a:p>
-            <a:pPr marL="0" indent="0">
-              <a:buNone/>
-            </a:pPr>
-            <a:r>
-              <a:rPr lang="zh-CN" altLang="en-US" dirty="0" smtClean="0"/>
-              <a:t>去服务器命令行执行</a:t>
-            </a:r>
-            <a:endParaRPr lang="en-US" altLang="zh-CN" dirty="0" smtClean="0"/>
-          </a:p>
-          <a:p>
-            <a:pPr marL="0" indent="0">
-              <a:buNone/>
-            </a:pPr>
-            <a:endParaRPr lang="en-US" altLang="zh-CN" dirty="0" smtClean="0"/>
-          </a:p>
-          <a:p>
-            <a:pPr marL="0" indent="0">
-              <a:buNone/>
-            </a:pPr>
-            <a:endParaRPr lang="zh-CN" altLang="en-US" dirty="0"/>
-          </a:p>
-        </p:txBody>
-      </p:sp>
-    </p:spTree>
-    <p:extLst>
-      <p:ext uri="{BB962C8B-B14F-4D97-AF65-F5344CB8AC3E}">
-        <p14:creationId xmlns:p14="http://schemas.microsoft.com/office/powerpoint/2010/main" val="3891825337"/>
-      </p:ext>
-    </p:extLst>
-  </p:cSld>
-  <p:clrMapOvr>
-    <a:masterClrMapping/>
-  </p:clrMapOvr>
-</p:sld>
-</file>
-
 <file path=ppt/slides/slide18.xml><?xml version="1.0" encoding="utf-8"?>
 <p:sld xmlns:a="http://schemas.openxmlformats.org/drawingml/2006/main" xmlns:r="http://schemas.openxmlformats.org/officeDocument/2006/relationships" xmlns:p="http://schemas.openxmlformats.org/presentationml/2006/main">
   <p:cSld>
@@ -4778,7 +4719,9 @@
         </p:nvSpPr>
         <p:spPr/>
         <p:txBody>
-          <a:bodyPr/>
+          <a:bodyPr>
+            <a:normAutofit fontScale="62500" lnSpcReduction="20000"/>
+          </a:bodyPr>
           <a:lstStyle/>
           <a:p>
             <a:pPr marL="0" indent="0">
@@ -4786,7 +4729,15 @@
             </a:pPr>
             <a:r>
               <a:rPr lang="zh-CN" altLang="en-US" dirty="0" smtClean="0"/>
-              <a:t>示例应用</a:t>
+              <a:t>创建</a:t>
+            </a:r>
+            <a:r>
+              <a:rPr lang="en-US" altLang="zh-CN" dirty="0" smtClean="0"/>
+              <a:t>test</a:t>
+            </a:r>
+            <a:r>
+              <a:rPr lang="zh-CN" altLang="en-US" dirty="0" smtClean="0"/>
+              <a:t>用户</a:t>
             </a:r>
             <a:endParaRPr lang="en-US" altLang="zh-CN" dirty="0" smtClean="0"/>
           </a:p>
@@ -4795,13 +4746,151 @@
               <a:buNone/>
             </a:pPr>
             <a:r>
-              <a:rPr lang="en-US" altLang="zh-CN" dirty="0" smtClean="0"/>
-              <a:t>https</a:t>
-            </a:r>
-            <a:r>
               <a:rPr lang="en-US" altLang="zh-CN" dirty="0"/>
-              <a:t>://github.com/jee4a/jee4a-mysql-read-write.git</a:t>
-            </a:r>
+              <a:t>CREATE USER 'test'@'%' IDENTIFIED BY '1123456'; </a:t>
+            </a:r>
+          </a:p>
+          <a:p>
+            <a:pPr marL="0" indent="0">
+              <a:buNone/>
+            </a:pPr>
+            <a:r>
+              <a:rPr lang="en-US" altLang="zh-CN" dirty="0"/>
+              <a:t>grant all privileges on product.* to 'test</a:t>
+            </a:r>
+            <a:r>
+              <a:rPr lang="en-US" altLang="zh-CN" dirty="0" smtClean="0"/>
+              <a:t>'@'%';</a:t>
+            </a:r>
+          </a:p>
+          <a:p>
+            <a:pPr marL="0" indent="0">
+              <a:buNone/>
+            </a:pPr>
+            <a:endParaRPr lang="en-US" altLang="zh-CN" dirty="0" smtClean="0"/>
+          </a:p>
+          <a:p>
+            <a:pPr marL="0" indent="0">
+              <a:buNone/>
+            </a:pPr>
+            <a:r>
+              <a:rPr lang="zh-CN" altLang="en-US" dirty="0" smtClean="0"/>
+              <a:t>如果报错含有如下错误：</a:t>
+            </a:r>
+            <a:endParaRPr lang="en-US" altLang="zh-CN" dirty="0" smtClean="0"/>
+          </a:p>
+          <a:p>
+            <a:pPr marL="0" indent="0">
+              <a:buNone/>
+            </a:pPr>
+            <a:r>
+              <a:rPr lang="en-US" altLang="zh-CN" dirty="0"/>
+              <a:t>this is incompatible with </a:t>
+            </a:r>
+            <a:r>
+              <a:rPr lang="en-US" altLang="zh-CN" dirty="0" err="1" smtClean="0"/>
+              <a:t>sql_mode</a:t>
+            </a:r>
+            <a:r>
+              <a:rPr lang="en-US" altLang="zh-CN" dirty="0" smtClean="0"/>
+              <a:t>=</a:t>
+            </a:r>
+            <a:r>
+              <a:rPr lang="en-US" altLang="zh-CN" dirty="0" err="1" smtClean="0"/>
+              <a:t>only_full_group_by</a:t>
+            </a:r>
+            <a:endParaRPr lang="en-US" altLang="zh-CN" dirty="0" smtClean="0"/>
+          </a:p>
+          <a:p>
+            <a:pPr marL="0" indent="0">
+              <a:buNone/>
+            </a:pPr>
+            <a:r>
+              <a:rPr lang="zh-CN" altLang="en-US" dirty="0" smtClean="0"/>
+              <a:t>解决办法：</a:t>
+            </a:r>
+            <a:endParaRPr lang="en-US" altLang="zh-CN" dirty="0"/>
+          </a:p>
+          <a:p>
+            <a:pPr marL="0" indent="0">
+              <a:buNone/>
+            </a:pPr>
+            <a:r>
+              <a:rPr lang="en-US" altLang="zh-CN" dirty="0" smtClean="0"/>
+              <a:t>vi /</a:t>
+            </a:r>
+            <a:r>
+              <a:rPr lang="en-US" altLang="zh-CN" dirty="0" err="1" smtClean="0"/>
+              <a:t>etc</a:t>
+            </a:r>
+            <a:r>
+              <a:rPr lang="en-US" altLang="zh-CN" dirty="0" smtClean="0"/>
+              <a:t>/</a:t>
+            </a:r>
+            <a:r>
+              <a:rPr lang="en-US" altLang="zh-CN" dirty="0" err="1" smtClean="0"/>
+              <a:t>my.cnf</a:t>
+            </a:r>
+            <a:endParaRPr lang="en-US" altLang="zh-CN" dirty="0" smtClean="0"/>
+          </a:p>
+          <a:p>
+            <a:pPr marL="0" indent="0">
+              <a:buNone/>
+            </a:pPr>
+            <a:r>
+              <a:rPr lang="en-US" altLang="zh-CN" dirty="0" err="1" smtClean="0"/>
+              <a:t>sql_mode</a:t>
+            </a:r>
+            <a:r>
+              <a:rPr lang="en-US" altLang="zh-CN" dirty="0" smtClean="0"/>
+              <a:t>=STRICT_TRANS_TABLES,NO_ZERO_IN_DATE,NO_ZERO_DATE,ERROR_FOR_DIVISION_BY_ZERO,NO_AUTO_CREATE_USER,NO_ENGINE_SUBSTITUTION</a:t>
+            </a:r>
+          </a:p>
+          <a:p>
+            <a:pPr marL="0" indent="0">
+              <a:buNone/>
+            </a:pPr>
+            <a:endParaRPr lang="en-US" altLang="zh-CN" dirty="0"/>
+          </a:p>
+          <a:p>
+            <a:pPr marL="0" indent="0">
+              <a:buNone/>
+            </a:pPr>
+            <a:r>
+              <a:rPr lang="zh-CN" altLang="en-US" dirty="0" smtClean="0"/>
+              <a:t>如果发现执行不了报错：</a:t>
+            </a:r>
+            <a:endParaRPr lang="en-US" altLang="zh-CN" dirty="0" smtClean="0"/>
+          </a:p>
+          <a:p>
+            <a:pPr marL="0" indent="0">
+              <a:buNone/>
+            </a:pPr>
+            <a:r>
+              <a:rPr lang="en-US" altLang="zh-CN" dirty="0"/>
+              <a:t>Access denied for user 'root'@'%' to database</a:t>
+            </a:r>
+          </a:p>
+          <a:p>
+            <a:pPr marL="0" indent="0">
+              <a:buNone/>
+            </a:pPr>
+            <a:r>
+              <a:rPr lang="zh-CN" altLang="en-US" dirty="0" smtClean="0"/>
+              <a:t>去服务器命令行执行</a:t>
+            </a:r>
+            <a:endParaRPr lang="en-US" altLang="zh-CN" dirty="0" smtClean="0"/>
+          </a:p>
+          <a:p>
+            <a:pPr marL="0" indent="0">
+              <a:buNone/>
+            </a:pPr>
+            <a:endParaRPr lang="en-US" altLang="zh-CN" dirty="0" smtClean="0"/>
+          </a:p>
+          <a:p>
+            <a:pPr marL="0" indent="0">
+              <a:buNone/>
+            </a:pPr>
             <a:endParaRPr lang="zh-CN" altLang="en-US" dirty="0"/>
           </a:p>
         </p:txBody>
@@ -4809,7 +4898,7 @@
     </p:spTree>
     <p:extLst>
       <p:ext uri="{BB962C8B-B14F-4D97-AF65-F5344CB8AC3E}">
-        <p14:creationId xmlns:p14="http://schemas.microsoft.com/office/powerpoint/2010/main" val="246960130"/>
+        <p14:creationId xmlns:p14="http://schemas.microsoft.com/office/powerpoint/2010/main" val="3891825337"/>
       </p:ext>
     </p:extLst>
   </p:cSld>
@@ -4853,7 +4942,7 @@
           <a:p>
             <a:r>
               <a:rPr lang="zh-CN" altLang="en-US" dirty="0" smtClean="0"/>
-              <a:t>参考资料</a:t>
+              <a:t>读写分离</a:t>
             </a:r>
             <a:endParaRPr lang="zh-CN" altLang="en-US" dirty="0"/>
           </a:p>
@@ -4878,8 +4967,22 @@
               <a:buNone/>
             </a:pPr>
             <a:r>
+              <a:rPr lang="zh-CN" altLang="en-US" dirty="0" smtClean="0"/>
+              <a:t>示例应用</a:t>
+            </a:r>
+            <a:endParaRPr lang="en-US" altLang="zh-CN" dirty="0" smtClean="0"/>
+          </a:p>
+          <a:p>
+            <a:pPr marL="0" indent="0">
+              <a:buNone/>
+            </a:pPr>
+            <a:r>
+              <a:rPr lang="en-US" altLang="zh-CN" dirty="0" smtClean="0"/>
+              <a:t>https</a:t>
+            </a:r>
+            <a:r>
               <a:rPr lang="en-US" altLang="zh-CN" dirty="0"/>
-              <a:t>https://www.cnblogs.com/mysql-dba/p/7201513.html</a:t>
+              <a:t>://github.com/jee4a/jee4a-mysql-read-write.git</a:t>
             </a:r>
             <a:endParaRPr lang="zh-CN" altLang="en-US" dirty="0"/>
           </a:p>
@@ -4888,7 +4991,7 @@
     </p:spTree>
     <p:extLst>
       <p:ext uri="{BB962C8B-B14F-4D97-AF65-F5344CB8AC3E}">
-        <p14:creationId xmlns:p14="http://schemas.microsoft.com/office/powerpoint/2010/main" val="953740894"/>
+        <p14:creationId xmlns:p14="http://schemas.microsoft.com/office/powerpoint/2010/main" val="246960130"/>
       </p:ext>
     </p:extLst>
   </p:cSld>
@@ -5151,6 +5254,172 @@
     <p:extLst>
       <p:ext uri="{BB962C8B-B14F-4D97-AF65-F5344CB8AC3E}">
         <p14:creationId xmlns:p14="http://schemas.microsoft.com/office/powerpoint/2010/main" val="339931561"/>
+      </p:ext>
+    </p:extLst>
+  </p:cSld>
+  <p:clrMapOvr>
+    <a:masterClrMapping/>
+  </p:clrMapOvr>
+</p:sld>
+</file>
+
+<file path=ppt/slides/slide20.xml><?xml version="1.0" encoding="utf-8"?>
+<p:sld xmlns:a="http://schemas.openxmlformats.org/drawingml/2006/main" xmlns:r="http://schemas.openxmlformats.org/officeDocument/2006/relationships" xmlns:p="http://schemas.openxmlformats.org/presentationml/2006/main">
+  <p:cSld>
+    <p:spTree>
+      <p:nvGrpSpPr>
+        <p:cNvPr id="1" name=""/>
+        <p:cNvGrpSpPr/>
+        <p:nvPr/>
+      </p:nvGrpSpPr>
+      <p:grpSpPr>
+        <a:xfrm>
+          <a:off x="0" y="0"/>
+          <a:ext cx="0" cy="0"/>
+          <a:chOff x="0" y="0"/>
+          <a:chExt cx="0" cy="0"/>
+        </a:xfrm>
+      </p:grpSpPr>
+      <p:sp>
+        <p:nvSpPr>
+          <p:cNvPr id="2" name="标题 1"/>
+          <p:cNvSpPr>
+            <a:spLocks noGrp="1"/>
+          </p:cNvSpPr>
+          <p:nvPr>
+            <p:ph type="title"/>
+          </p:nvPr>
+        </p:nvSpPr>
+        <p:spPr/>
+        <p:txBody>
+          <a:bodyPr/>
+          <a:lstStyle/>
+          <a:p>
+            <a:r>
+              <a:rPr lang="zh-CN" altLang="en-US" dirty="0" smtClean="0"/>
+              <a:t>基于</a:t>
+            </a:r>
+            <a:r>
+              <a:rPr lang="en-US" altLang="zh-CN" dirty="0" smtClean="0"/>
+              <a:t>canal</a:t>
+            </a:r>
+            <a:r>
+              <a:rPr lang="zh-CN" altLang="en-US" dirty="0" smtClean="0"/>
+              <a:t>数据异构</a:t>
+            </a:r>
+            <a:endParaRPr lang="zh-CN" altLang="en-US" dirty="0"/>
+          </a:p>
+        </p:txBody>
+      </p:sp>
+      <p:pic>
+        <p:nvPicPr>
+          <p:cNvPr id="6" name="内容占位符 5"/>
+          <p:cNvPicPr>
+            <a:picLocks noGrp="1" noChangeAspect="1"/>
+          </p:cNvPicPr>
+          <p:nvPr>
+            <p:ph idx="1"/>
+          </p:nvPr>
+        </p:nvPicPr>
+        <p:blipFill>
+          <a:blip r:embed="rId2"/>
+          <a:stretch>
+            <a:fillRect/>
+          </a:stretch>
+        </p:blipFill>
+        <p:spPr>
+          <a:xfrm>
+            <a:off x="654446" y="2020987"/>
+            <a:ext cx="7314286" cy="3942857"/>
+          </a:xfrm>
+          <a:prstGeom prst="rect">
+            <a:avLst/>
+          </a:prstGeom>
+        </p:spPr>
+      </p:pic>
+    </p:spTree>
+    <p:extLst>
+      <p:ext uri="{BB962C8B-B14F-4D97-AF65-F5344CB8AC3E}">
+        <p14:creationId xmlns:p14="http://schemas.microsoft.com/office/powerpoint/2010/main" val="2390678936"/>
+      </p:ext>
+    </p:extLst>
+  </p:cSld>
+  <p:clrMapOvr>
+    <a:masterClrMapping/>
+  </p:clrMapOvr>
+</p:sld>
+</file>
+
+<file path=ppt/slides/slide21.xml><?xml version="1.0" encoding="utf-8"?>
+<p:sld xmlns:a="http://schemas.openxmlformats.org/drawingml/2006/main" xmlns:r="http://schemas.openxmlformats.org/officeDocument/2006/relationships" xmlns:p="http://schemas.openxmlformats.org/presentationml/2006/main">
+  <p:cSld>
+    <p:spTree>
+      <p:nvGrpSpPr>
+        <p:cNvPr id="1" name=""/>
+        <p:cNvGrpSpPr/>
+        <p:nvPr/>
+      </p:nvGrpSpPr>
+      <p:grpSpPr>
+        <a:xfrm>
+          <a:off x="0" y="0"/>
+          <a:ext cx="0" cy="0"/>
+          <a:chOff x="0" y="0"/>
+          <a:chExt cx="0" cy="0"/>
+        </a:xfrm>
+      </p:grpSpPr>
+      <p:sp>
+        <p:nvSpPr>
+          <p:cNvPr id="2" name="标题 1"/>
+          <p:cNvSpPr>
+            <a:spLocks noGrp="1"/>
+          </p:cNvSpPr>
+          <p:nvPr>
+            <p:ph type="title"/>
+          </p:nvPr>
+        </p:nvSpPr>
+        <p:spPr/>
+        <p:txBody>
+          <a:bodyPr/>
+          <a:lstStyle/>
+          <a:p>
+            <a:r>
+              <a:rPr lang="zh-CN" altLang="en-US" dirty="0" smtClean="0"/>
+              <a:t>参考资料</a:t>
+            </a:r>
+            <a:endParaRPr lang="zh-CN" altLang="en-US" dirty="0"/>
+          </a:p>
+        </p:txBody>
+      </p:sp>
+      <p:sp>
+        <p:nvSpPr>
+          <p:cNvPr id="3" name="内容占位符 2"/>
+          <p:cNvSpPr>
+            <a:spLocks noGrp="1"/>
+          </p:cNvSpPr>
+          <p:nvPr>
+            <p:ph idx="1"/>
+          </p:nvPr>
+        </p:nvSpPr>
+        <p:spPr/>
+        <p:txBody>
+          <a:bodyPr/>
+          <a:lstStyle/>
+          <a:p>
+            <a:pPr marL="0" indent="0">
+              <a:buNone/>
+            </a:pPr>
+            <a:r>
+              <a:rPr lang="en-US" altLang="zh-CN" dirty="0"/>
+              <a:t>https://www.cnblogs.com/mysql-dba/p/7201513.html</a:t>
+            </a:r>
+            <a:endParaRPr lang="zh-CN" altLang="en-US" dirty="0"/>
+          </a:p>
+        </p:txBody>
+      </p:sp>
+    </p:spTree>
+    <p:extLst>
+      <p:ext uri="{BB962C8B-B14F-4D97-AF65-F5344CB8AC3E}">
+        <p14:creationId xmlns:p14="http://schemas.microsoft.com/office/powerpoint/2010/main" val="953740894"/>
       </p:ext>
     </p:extLst>
   </p:cSld>
@@ -6428,7 +6697,7 @@
         <p:spPr/>
         <p:txBody>
           <a:bodyPr>
-            <a:normAutofit fontScale="47500" lnSpcReduction="20000"/>
+            <a:normAutofit fontScale="40000" lnSpcReduction="20000"/>
           </a:bodyPr>
           <a:lstStyle/>
           <a:p>
@@ -6678,7 +6947,52 @@
             </a:r>
             <a:r>
               <a:rPr lang="zh-CN" altLang="en-US" sz="4000" dirty="0"/>
-              <a:t>操作；</a:t>
+              <a:t>操作</a:t>
+            </a:r>
+            <a:r>
+              <a:rPr lang="zh-CN" altLang="en-US" sz="4000" dirty="0" smtClean="0"/>
+              <a:t>；</a:t>
+            </a:r>
+            <a:endParaRPr lang="en-US" altLang="zh-CN" sz="4000" dirty="0" smtClean="0"/>
+          </a:p>
+          <a:p>
+            <a:pPr marL="0" indent="0">
+              <a:lnSpc>
+                <a:spcPct val="120000"/>
+              </a:lnSpc>
+              <a:buNone/>
+            </a:pPr>
+            <a:endParaRPr lang="en-US" altLang="zh-CN" sz="4000" dirty="0"/>
+          </a:p>
+          <a:p>
+            <a:pPr marL="0" indent="0">
+              <a:lnSpc>
+                <a:spcPct val="120000"/>
+              </a:lnSpc>
+              <a:buNone/>
+            </a:pPr>
+            <a:r>
+              <a:rPr lang="zh-CN" altLang="en-US" sz="4000" dirty="0" smtClean="0"/>
+              <a:t>重启机器后启动方式</a:t>
+            </a:r>
+            <a:r>
+              <a:rPr lang="en-US" altLang="zh-CN" sz="4000" dirty="0"/>
+              <a:t/>
+            </a:r>
+            <a:br>
+              <a:rPr lang="en-US" altLang="zh-CN" sz="4000" dirty="0"/>
+            </a:br>
+            <a:r>
+              <a:rPr lang="en-US" altLang="zh-CN" sz="4000" dirty="0"/>
+              <a:t>[root@server2 ~]# service </a:t>
+            </a:r>
+            <a:r>
+              <a:rPr lang="en-US" altLang="zh-CN" sz="4000" dirty="0" err="1"/>
+              <a:t>mysqld</a:t>
+            </a:r>
+            <a:r>
+              <a:rPr lang="en-US" altLang="zh-CN" sz="4000" dirty="0"/>
+              <a:t> start</a:t>
             </a:r>
           </a:p>
         </p:txBody>
